--- a/Documentation/Presentations/project-spec.pptx
+++ b/Documentation/Presentations/project-spec.pptx
@@ -3056,54 +3056,103 @@
           <a:p>
             <a:r>
               <a:rPr lang="en-US" dirty="0" smtClean="0"/>
-              <a:t>Core </a:t>
-            </a:r>
+              <a:t>Core functionality</a:t>
+            </a:r>
+            <a:endParaRPr lang="en-US" dirty="0"/>
+          </a:p>
+        </p:txBody>
+      </p:sp>
+      <p:sp>
+        <p:nvSpPr>
+          <p:cNvPr id="3" name="Content Placeholder 2"/>
+          <p:cNvSpPr>
+            <a:spLocks noGrp="1"/>
+          </p:cNvSpPr>
+          <p:nvPr>
+            <p:ph idx="1"/>
+          </p:nvPr>
+        </p:nvSpPr>
+        <p:spPr/>
+        <p:txBody>
+          <a:bodyPr/>
+          <a:lstStyle/>
+          <a:p>
             <a:r>
               <a:rPr lang="en-US" dirty="0" smtClean="0"/>
-              <a:t>functionality</a:t>
-            </a:r>
-            <a:endParaRPr lang="en-US" dirty="0"/>
-          </a:p>
-        </p:txBody>
-      </p:sp>
-      <p:sp>
-        <p:nvSpPr>
-          <p:cNvPr id="3" name="Content Placeholder 2"/>
-          <p:cNvSpPr>
-            <a:spLocks noGrp="1"/>
-          </p:cNvSpPr>
-          <p:nvPr>
-            <p:ph idx="1"/>
-          </p:nvPr>
-        </p:nvSpPr>
-        <p:spPr/>
-        <p:txBody>
-          <a:bodyPr/>
-          <a:lstStyle/>
-          <a:p>
+              <a:t>Scans repositories </a:t>
+            </a:r>
             <a:r>
               <a:rPr lang="en-US" dirty="0" smtClean="0"/>
-              <a:t>Scans repositories findings bug hotspots using dynamic metrics</a:t>
-            </a:r>
-          </a:p>
-          <a:p>
+              <a:t>finding </a:t>
+            </a:r>
             <a:r>
               <a:rPr lang="en-US" dirty="0" smtClean="0"/>
-              <a:t>Customize scan with choice of metrics?</a:t>
+              <a:t>bug hotspots using dynamic </a:t>
+            </a:r>
+            <a:r>
+              <a:rPr lang="en-US" dirty="0" smtClean="0"/>
+              <a:t>metrics</a:t>
+            </a:r>
+          </a:p>
+          <a:p>
+            <a:pPr marL="0" indent="0">
+              <a:buNone/>
+            </a:pPr>
+            <a:r>
+              <a:rPr lang="en-US" dirty="0"/>
+              <a:t>	</a:t>
+            </a:r>
+            <a:r>
+              <a:rPr lang="en-US" dirty="0" smtClean="0"/>
+              <a:t>- Custom scans parameters </a:t>
+            </a:r>
+          </a:p>
+          <a:p>
+            <a:pPr marL="0" indent="0">
+              <a:buNone/>
+            </a:pPr>
+            <a:r>
+              <a:rPr lang="en-US" dirty="0"/>
+              <a:t>	</a:t>
+            </a:r>
+            <a:r>
+              <a:rPr lang="en-US" dirty="0" smtClean="0"/>
+              <a:t>- Run from remote server</a:t>
             </a:r>
             <a:endParaRPr lang="en-US" dirty="0" smtClean="0"/>
           </a:p>
           <a:p>
             <a:r>
               <a:rPr lang="en-US" dirty="0" smtClean="0"/>
-              <a:t>Provide centralized database to store scan results and repository</a:t>
-            </a:r>
-          </a:p>
-          <a:p>
+              <a:t>Provide </a:t>
+            </a:r>
             <a:r>
               <a:rPr lang="en-US" dirty="0" smtClean="0"/>
-              <a:t>Automatically updating copy of repository in database</a:t>
-            </a:r>
+              <a:t>centralized database to store scan results and repository</a:t>
+            </a:r>
+          </a:p>
+          <a:p>
+            <a:pPr marL="0" indent="0">
+              <a:buNone/>
+            </a:pPr>
+            <a:r>
+              <a:rPr lang="en-US" dirty="0" smtClean="0"/>
+              <a:t>	- Automatic repository syncing </a:t>
+            </a:r>
+          </a:p>
+          <a:p>
+            <a:pPr marL="0" indent="0">
+              <a:buNone/>
+            </a:pPr>
+            <a:r>
+              <a:rPr lang="en-US" dirty="0"/>
+              <a:t>	</a:t>
+            </a:r>
+            <a:r>
+              <a:rPr lang="en-US" dirty="0" smtClean="0"/>
+              <a:t>- Scan result history</a:t>
+            </a:r>
+            <a:endParaRPr lang="en-US" dirty="0" smtClean="0"/>
           </a:p>
           <a:p>
             <a:r>
@@ -3112,9 +3161,16 @@
             </a:r>
           </a:p>
           <a:p>
+            <a:pPr marL="0" indent="0">
+              <a:buNone/>
+            </a:pPr>
             <a:r>
               <a:rPr lang="en-US" dirty="0" smtClean="0"/>
-              <a:t>Filter repository heat map based on author, file, etc.</a:t>
+              <a:t>	- Filter </a:t>
+            </a:r>
+            <a:r>
+              <a:rPr lang="en-US" dirty="0" smtClean="0"/>
+              <a:t>repository heat map based on author, file, etc.</a:t>
             </a:r>
           </a:p>
           <a:p>
@@ -3195,7 +3251,11 @@
           <a:p>
             <a:r>
               <a:rPr lang="en-US" dirty="0" smtClean="0"/>
-              <a:t>No specific software requirements</a:t>
+              <a:t>No specific software </a:t>
+            </a:r>
+            <a:r>
+              <a:rPr lang="en-US" dirty="0" smtClean="0"/>
+              <a:t>requirements</a:t>
             </a:r>
           </a:p>
           <a:p>
@@ -3205,15 +3265,53 @@
             </a:r>
           </a:p>
           <a:p>
+            <a:pPr marL="0" indent="0">
+              <a:buNone/>
+            </a:pPr>
+            <a:r>
+              <a:rPr lang="en-US" dirty="0" smtClean="0"/>
+              <a:t>	- </a:t>
+            </a:r>
+            <a:r>
+              <a:rPr lang="en-US" dirty="0"/>
+              <a:t>Visual and text data </a:t>
+            </a:r>
+            <a:r>
+              <a:rPr lang="en-US" dirty="0" smtClean="0"/>
+              <a:t>output</a:t>
+            </a:r>
+          </a:p>
+          <a:p>
+            <a:pPr marL="0" indent="0">
+              <a:buNone/>
+            </a:pPr>
+            <a:r>
+              <a:rPr lang="en-US" dirty="0"/>
+              <a:t>	</a:t>
+            </a:r>
+            <a:r>
+              <a:rPr lang="en-US" dirty="0" smtClean="0"/>
+              <a:t>- Proof-of-concept analysis</a:t>
+            </a:r>
+          </a:p>
+          <a:p>
+            <a:pPr marL="0" indent="0">
+              <a:buNone/>
+            </a:pPr>
+            <a:r>
+              <a:rPr lang="en-US" dirty="0"/>
+              <a:t>	</a:t>
+            </a:r>
+            <a:r>
+              <a:rPr lang="en-US" dirty="0" smtClean="0"/>
+              <a:t>- Well-commented source code</a:t>
+            </a:r>
+            <a:endParaRPr lang="en-US" dirty="0" smtClean="0"/>
+          </a:p>
+          <a:p>
             <a:r>
               <a:rPr lang="en-US" dirty="0" smtClean="0"/>
               <a:t>Client/Server Architecture </a:t>
-            </a:r>
-          </a:p>
-          <a:p>
-            <a:r>
-              <a:rPr lang="en-US" dirty="0" smtClean="0"/>
-              <a:t>Visual and text data output</a:t>
             </a:r>
           </a:p>
           <a:p>
